--- a/proposal/proposal.pptx
+++ b/proposal/proposal.pptx
@@ -107,6 +107,11 @@
       </a:defRPr>
     </a:lvl9pPr>
   </p:defaultTextStyle>
+  <p:extLst>
+    <p:ext uri="{EFAFB233-063F-42B5-8137-9DF3F51BA10A}">
+      <p15:sldGuideLst xmlns:p15="http://schemas.microsoft.com/office/powerpoint/2012/main"/>
+    </p:ext>
+  </p:extLst>
 </p:presentation>
 </file>
 
@@ -3713,6 +3718,14 @@
           <a:bodyPr/>
           <a:lstStyle/>
           <a:p>
+            <a:r>
+              <a:rPr lang="en-US" altLang="zh-CN" dirty="0"/>
+              <a:t>Stage 1: Basic Kriging </a:t>
+            </a:r>
+            <a:r>
+              <a:rPr lang="en-US" altLang="zh-CN"/>
+              <a:t>map creation</a:t>
+            </a:r>
             <a:endParaRPr lang="en-US" dirty="0"/>
           </a:p>
         </p:txBody>

--- a/proposal/proposal.pptx
+++ b/proposal/proposal.pptx
@@ -3720,11 +3720,7 @@
           <a:p>
             <a:r>
               <a:rPr lang="en-US" altLang="zh-CN" dirty="0"/>
-              <a:t>Stage 1: Basic Kriging </a:t>
-            </a:r>
-            <a:r>
-              <a:rPr lang="en-US" altLang="zh-CN"/>
-              <a:t>map creation</a:t>
+              <a:t>Stage 1: Basic Kriging map creation</a:t>
             </a:r>
             <a:endParaRPr lang="en-US" dirty="0"/>
           </a:p>
@@ -3751,7 +3747,7 @@
           <a:bodyPr/>
           <a:lstStyle/>
           <a:p>
-            <a:endParaRPr lang="en-US"/>
+            <a:endParaRPr lang="en-US" dirty="0"/>
           </a:p>
         </p:txBody>
       </p:sp>

--- a/proposal/proposal.pptx
+++ b/proposal/proposal.pptx
@@ -3747,6 +3747,14 @@
           <a:bodyPr/>
           <a:lstStyle/>
           <a:p>
+            <a:r>
+              <a:rPr lang="en-US" dirty="0"/>
+              <a:t>[3/15/2025]: Converted census tract CSV to </a:t>
+            </a:r>
+            <a:r>
+              <a:rPr lang="en-US"/>
+              <a:t>shp</a:t>
+            </a:r>
             <a:endParaRPr lang="en-US" dirty="0"/>
           </a:p>
         </p:txBody>

--- a/proposal/proposal.pptx
+++ b/proposal/proposal.pptx
@@ -264,7 +264,7 @@
           <a:p>
             <a:fld id="{D96F1AA1-7894-4225-AEAD-BF0CC163EC5B}" type="datetimeFigureOut">
               <a:rPr lang="en-US" smtClean="0"/>
-              <a:t>3/25/2025</a:t>
+              <a:t>3/26/2025</a:t>
             </a:fld>
             <a:endParaRPr lang="en-US"/>
           </a:p>
@@ -464,7 +464,7 @@
           <a:p>
             <a:fld id="{D96F1AA1-7894-4225-AEAD-BF0CC163EC5B}" type="datetimeFigureOut">
               <a:rPr lang="en-US" smtClean="0"/>
-              <a:t>3/25/2025</a:t>
+              <a:t>3/26/2025</a:t>
             </a:fld>
             <a:endParaRPr lang="en-US"/>
           </a:p>
@@ -674,7 +674,7 @@
           <a:p>
             <a:fld id="{D96F1AA1-7894-4225-AEAD-BF0CC163EC5B}" type="datetimeFigureOut">
               <a:rPr lang="en-US" smtClean="0"/>
-              <a:t>3/25/2025</a:t>
+              <a:t>3/26/2025</a:t>
             </a:fld>
             <a:endParaRPr lang="en-US"/>
           </a:p>
@@ -874,7 +874,7 @@
           <a:p>
             <a:fld id="{D96F1AA1-7894-4225-AEAD-BF0CC163EC5B}" type="datetimeFigureOut">
               <a:rPr lang="en-US" smtClean="0"/>
-              <a:t>3/25/2025</a:t>
+              <a:t>3/26/2025</a:t>
             </a:fld>
             <a:endParaRPr lang="en-US"/>
           </a:p>
@@ -1150,7 +1150,7 @@
           <a:p>
             <a:fld id="{D96F1AA1-7894-4225-AEAD-BF0CC163EC5B}" type="datetimeFigureOut">
               <a:rPr lang="en-US" smtClean="0"/>
-              <a:t>3/25/2025</a:t>
+              <a:t>3/26/2025</a:t>
             </a:fld>
             <a:endParaRPr lang="en-US"/>
           </a:p>
@@ -1418,7 +1418,7 @@
           <a:p>
             <a:fld id="{D96F1AA1-7894-4225-AEAD-BF0CC163EC5B}" type="datetimeFigureOut">
               <a:rPr lang="en-US" smtClean="0"/>
-              <a:t>3/25/2025</a:t>
+              <a:t>3/26/2025</a:t>
             </a:fld>
             <a:endParaRPr lang="en-US"/>
           </a:p>
@@ -1833,7 +1833,7 @@
           <a:p>
             <a:fld id="{D96F1AA1-7894-4225-AEAD-BF0CC163EC5B}" type="datetimeFigureOut">
               <a:rPr lang="en-US" smtClean="0"/>
-              <a:t>3/25/2025</a:t>
+              <a:t>3/26/2025</a:t>
             </a:fld>
             <a:endParaRPr lang="en-US"/>
           </a:p>
@@ -1975,7 +1975,7 @@
           <a:p>
             <a:fld id="{D96F1AA1-7894-4225-AEAD-BF0CC163EC5B}" type="datetimeFigureOut">
               <a:rPr lang="en-US" smtClean="0"/>
-              <a:t>3/25/2025</a:t>
+              <a:t>3/26/2025</a:t>
             </a:fld>
             <a:endParaRPr lang="en-US"/>
           </a:p>
@@ -2088,7 +2088,7 @@
           <a:p>
             <a:fld id="{D96F1AA1-7894-4225-AEAD-BF0CC163EC5B}" type="datetimeFigureOut">
               <a:rPr lang="en-US" smtClean="0"/>
-              <a:t>3/25/2025</a:t>
+              <a:t>3/26/2025</a:t>
             </a:fld>
             <a:endParaRPr lang="en-US"/>
           </a:p>
@@ -2401,7 +2401,7 @@
           <a:p>
             <a:fld id="{D96F1AA1-7894-4225-AEAD-BF0CC163EC5B}" type="datetimeFigureOut">
               <a:rPr lang="en-US" smtClean="0"/>
-              <a:t>3/25/2025</a:t>
+              <a:t>3/26/2025</a:t>
             </a:fld>
             <a:endParaRPr lang="en-US"/>
           </a:p>
@@ -2690,7 +2690,7 @@
           <a:p>
             <a:fld id="{D96F1AA1-7894-4225-AEAD-BF0CC163EC5B}" type="datetimeFigureOut">
               <a:rPr lang="en-US" smtClean="0"/>
-              <a:t>3/25/2025</a:t>
+              <a:t>3/26/2025</a:t>
             </a:fld>
             <a:endParaRPr lang="en-US"/>
           </a:p>
@@ -2933,7 +2933,7 @@
           <a:p>
             <a:fld id="{D96F1AA1-7894-4225-AEAD-BF0CC163EC5B}" type="datetimeFigureOut">
               <a:rPr lang="en-US" smtClean="0"/>
-              <a:t>3/25/2025</a:t>
+              <a:t>3/26/2025</a:t>
             </a:fld>
             <a:endParaRPr lang="en-US"/>
           </a:p>
@@ -3749,11 +3749,22 @@
           <a:p>
             <a:r>
               <a:rPr lang="en-US" dirty="0"/>
-              <a:t>[3/15/2025]: Converted census tract CSV to </a:t>
+              <a:t>[3/25/2025]: Converted census tract CSV to </a:t>
+            </a:r>
+            <a:r>
+              <a:rPr lang="en-US" dirty="0" err="1"/>
+              <a:t>shp</a:t>
+            </a:r>
+            <a:endParaRPr lang="en-US" dirty="0"/>
+          </a:p>
+          <a:p>
+            <a:r>
+              <a:rPr lang="en-US" dirty="0"/>
+              <a:t>[3/26/2025]: Adjusted sampling strategy, worked out Kriging </a:t>
             </a:r>
             <a:r>
               <a:rPr lang="en-US"/>
-              <a:t>shp</a:t>
+              <a:t>interpolation workflow</a:t>
             </a:r>
             <a:endParaRPr lang="en-US" dirty="0"/>
           </a:p>
